--- a/Kompaktní laboratorní zdroj.pptx
+++ b/Kompaktní laboratorní zdroj.pptx
@@ -4160,7 +4160,7 @@
           <a:bodyPr/>
           <a:lstStyle/>
           <a:p>
-            <a:endParaRPr lang="cs-CZ"/>
+            <a:endParaRPr lang="cs-CZ" dirty="0"/>
           </a:p>
         </p:txBody>
       </p:sp>

--- a/Kompaktní laboratorní zdroj.pptx
+++ b/Kompaktní laboratorní zdroj.pptx
@@ -10,6 +10,7 @@
     <p:sldId id="258" r:id="rId4"/>
     <p:sldId id="259" r:id="rId5"/>
     <p:sldId id="260" r:id="rId6"/>
+    <p:sldId id="261" r:id="rId7"/>
   </p:sldIdLst>
   <p:sldSz cx="12192000" cy="6858000"/>
   <p:notesSz cx="6858000" cy="9144000"/>
@@ -108,6 +109,11 @@
       </a:defRPr>
     </a:lvl9pPr>
   </p:defaultTextStyle>
+  <p:extLst>
+    <p:ext uri="{EFAFB233-063F-42B5-8137-9DF3F51BA10A}">
+      <p15:sldGuideLst xmlns:p15="http://schemas.microsoft.com/office/powerpoint/2012/main"/>
+    </p:ext>
+  </p:extLst>
 </p:presentation>
 </file>
 
@@ -4160,14 +4166,231 @@
           <a:bodyPr/>
           <a:lstStyle/>
           <a:p>
+            <a:pPr>
+              <a:buFont typeface="Calibri" panose="020F0502020204030204" pitchFamily="34" charset="0"/>
+              <a:buChar char="-"/>
+            </a:pPr>
+            <a:r>
+              <a:rPr lang="cs-CZ" dirty="0"/>
+              <a:t>OLED display </a:t>
+            </a:r>
+          </a:p>
+          <a:p>
+            <a:pPr>
+              <a:buFont typeface="Calibri" panose="020F0502020204030204" pitchFamily="34" charset="0"/>
+              <a:buChar char="-"/>
+            </a:pPr>
             <a:endParaRPr lang="cs-CZ" dirty="0"/>
           </a:p>
-        </p:txBody>
-      </p:sp>
+          <a:p>
+            <a:pPr>
+              <a:buFont typeface="Calibri" panose="020F0502020204030204" pitchFamily="34" charset="0"/>
+              <a:buChar char="-"/>
+            </a:pPr>
+            <a:r>
+              <a:rPr lang="cs-CZ" dirty="0"/>
+              <a:t>Enkodér</a:t>
+            </a:r>
+          </a:p>
+          <a:p>
+            <a:pPr>
+              <a:buFont typeface="Calibri" panose="020F0502020204030204" pitchFamily="34" charset="0"/>
+              <a:buChar char="-"/>
+            </a:pPr>
+            <a:endParaRPr lang="cs-CZ" dirty="0"/>
+          </a:p>
+          <a:p>
+            <a:pPr>
+              <a:buFont typeface="Calibri" panose="020F0502020204030204" pitchFamily="34" charset="0"/>
+              <a:buChar char="-"/>
+            </a:pPr>
+            <a:r>
+              <a:rPr lang="cs-CZ" dirty="0"/>
+              <a:t>Pouze 3 další tlačítka</a:t>
+            </a:r>
+          </a:p>
+        </p:txBody>
+      </p:sp>
+      <p:pic>
+        <p:nvPicPr>
+          <p:cNvPr id="5" name="Obrázek 4" descr="Obsah obrázku elektronika&#10;&#10;Popis byl vytvořen automaticky">
+            <a:extLst>
+              <a:ext uri="{FF2B5EF4-FFF2-40B4-BE49-F238E27FC236}">
+                <a16:creationId xmlns:a16="http://schemas.microsoft.com/office/drawing/2014/main" id="{FF183045-A129-4257-ACAC-74711BA51180}"/>
+              </a:ext>
+            </a:extLst>
+          </p:cNvPr>
+          <p:cNvPicPr>
+            <a:picLocks noChangeAspect="1"/>
+          </p:cNvPicPr>
+          <p:nvPr/>
+        </p:nvPicPr>
+        <p:blipFill>
+          <a:blip r:embed="rId2">
+            <a:extLst>
+              <a:ext uri="{28A0092B-C50C-407E-A947-70E740481C1C}">
+                <a14:useLocalDpi xmlns:a14="http://schemas.microsoft.com/office/drawing/2010/main" val="0"/>
+              </a:ext>
+            </a:extLst>
+          </a:blip>
+          <a:stretch>
+            <a:fillRect/>
+          </a:stretch>
+        </p:blipFill>
+        <p:spPr>
+          <a:xfrm>
+            <a:off x="4464862" y="1743035"/>
+            <a:ext cx="7252575" cy="3502067"/>
+          </a:xfrm>
+          <a:prstGeom prst="rect">
+            <a:avLst/>
+          </a:prstGeom>
+        </p:spPr>
+      </p:pic>
     </p:spTree>
     <p:extLst>
       <p:ext uri="{BB962C8B-B14F-4D97-AF65-F5344CB8AC3E}">
         <p14:creationId xmlns:p14="http://schemas.microsoft.com/office/powerpoint/2010/main" val="3225216620"/>
+      </p:ext>
+    </p:extLst>
+  </p:cSld>
+  <p:clrMapOvr>
+    <a:masterClrMapping/>
+  </p:clrMapOvr>
+</p:sld>
+</file>
+
+<file path=ppt/slides/slide6.xml><?xml version="1.0" encoding="utf-8"?>
+<p:sld xmlns:a="http://schemas.openxmlformats.org/drawingml/2006/main" xmlns:r="http://schemas.openxmlformats.org/officeDocument/2006/relationships" xmlns:p="http://schemas.openxmlformats.org/presentationml/2006/main">
+  <p:cSld>
+    <p:spTree>
+      <p:nvGrpSpPr>
+        <p:cNvPr id="1" name=""/>
+        <p:cNvGrpSpPr/>
+        <p:nvPr/>
+      </p:nvGrpSpPr>
+      <p:grpSpPr>
+        <a:xfrm>
+          <a:off x="0" y="0"/>
+          <a:ext cx="0" cy="0"/>
+          <a:chOff x="0" y="0"/>
+          <a:chExt cx="0" cy="0"/>
+        </a:xfrm>
+      </p:grpSpPr>
+      <p:sp>
+        <p:nvSpPr>
+          <p:cNvPr id="2" name="Nadpis 1">
+            <a:extLst>
+              <a:ext uri="{FF2B5EF4-FFF2-40B4-BE49-F238E27FC236}">
+                <a16:creationId xmlns:a16="http://schemas.microsoft.com/office/drawing/2014/main" id="{E6BC531A-1FF6-4537-8C26-E90DD7C64556}"/>
+              </a:ext>
+            </a:extLst>
+          </p:cNvPr>
+          <p:cNvSpPr>
+            <a:spLocks noGrp="1"/>
+          </p:cNvSpPr>
+          <p:nvPr>
+            <p:ph type="title"/>
+          </p:nvPr>
+        </p:nvSpPr>
+        <p:spPr/>
+        <p:txBody>
+          <a:bodyPr/>
+          <a:lstStyle/>
+          <a:p>
+            <a:r>
+              <a:rPr lang="cs-CZ" dirty="0"/>
+              <a:t>Shrnutí a poděkování</a:t>
+            </a:r>
+          </a:p>
+        </p:txBody>
+      </p:sp>
+      <p:sp>
+        <p:nvSpPr>
+          <p:cNvPr id="3" name="Zástupný obsah 2">
+            <a:extLst>
+              <a:ext uri="{FF2B5EF4-FFF2-40B4-BE49-F238E27FC236}">
+                <a16:creationId xmlns:a16="http://schemas.microsoft.com/office/drawing/2014/main" id="{DB3DDE0C-B75E-43B1-8B24-0BB3A627882C}"/>
+              </a:ext>
+            </a:extLst>
+          </p:cNvPr>
+          <p:cNvSpPr>
+            <a:spLocks noGrp="1"/>
+          </p:cNvSpPr>
+          <p:nvPr>
+            <p:ph idx="1"/>
+          </p:nvPr>
+        </p:nvSpPr>
+        <p:spPr/>
+        <p:txBody>
+          <a:bodyPr/>
+          <a:lstStyle/>
+          <a:p>
+            <a:pPr>
+              <a:buFont typeface="Calibri" panose="020F0502020204030204" pitchFamily="34" charset="0"/>
+              <a:buChar char="-"/>
+            </a:pPr>
+            <a:r>
+              <a:rPr lang="cs-CZ" dirty="0"/>
+              <a:t>Podařilo se vytvořit funkční prototyp</a:t>
+            </a:r>
+          </a:p>
+          <a:p>
+            <a:pPr>
+              <a:buFont typeface="Calibri" panose="020F0502020204030204" pitchFamily="34" charset="0"/>
+              <a:buChar char="-"/>
+            </a:pPr>
+            <a:endParaRPr lang="cs-CZ" dirty="0"/>
+          </a:p>
+          <a:p>
+            <a:pPr>
+              <a:buFont typeface="Calibri" panose="020F0502020204030204" pitchFamily="34" charset="0"/>
+              <a:buChar char="-"/>
+            </a:pPr>
+            <a:r>
+              <a:rPr lang="cs-CZ" dirty="0"/>
+              <a:t>Problémy s měřením je možné v další verzi odstranit</a:t>
+            </a:r>
+          </a:p>
+          <a:p>
+            <a:pPr>
+              <a:buFont typeface="Calibri" panose="020F0502020204030204" pitchFamily="34" charset="0"/>
+              <a:buChar char="-"/>
+            </a:pPr>
+            <a:endParaRPr lang="cs-CZ" dirty="0"/>
+          </a:p>
+          <a:p>
+            <a:pPr>
+              <a:buFont typeface="Calibri" panose="020F0502020204030204" pitchFamily="34" charset="0"/>
+              <a:buChar char="-"/>
+            </a:pPr>
+            <a:r>
+              <a:rPr lang="cs-CZ" dirty="0"/>
+              <a:t>V budoucnu je možné přidat další funkce softwaru</a:t>
+            </a:r>
+          </a:p>
+          <a:p>
+            <a:pPr>
+              <a:buFont typeface="Calibri" panose="020F0502020204030204" pitchFamily="34" charset="0"/>
+              <a:buChar char="-"/>
+            </a:pPr>
+            <a:endParaRPr lang="cs-CZ" dirty="0"/>
+          </a:p>
+          <a:p>
+            <a:pPr marL="0" indent="0">
+              <a:buNone/>
+            </a:pPr>
+            <a:r>
+              <a:rPr lang="cs-CZ" sz="3200" b="1" dirty="0"/>
+              <a:t>Děkuji za pozornost!</a:t>
+            </a:r>
+          </a:p>
+        </p:txBody>
+      </p:sp>
+    </p:spTree>
+    <p:extLst>
+      <p:ext uri="{BB962C8B-B14F-4D97-AF65-F5344CB8AC3E}">
+        <p14:creationId xmlns:p14="http://schemas.microsoft.com/office/powerpoint/2010/main" val="2544027353"/>
       </p:ext>
     </p:extLst>
   </p:cSld>
